--- a/ppt 16-9/0664.平安在我心.pptx
+++ b/ppt 16-9/0664.平安在我心.pptx
@@ -5,7 +5,7 @@
     <p:sldMasterId id="2147483648" r:id="rId1"/>
   </p:sldMasterIdLst>
   <p:sldIdLst>
-    <p:sldId id="2468" r:id="rId2"/>
+    <p:sldId id="2469" r:id="rId2"/>
   </p:sldIdLst>
   <p:sldSz cx="12192000" cy="6858000"/>
   <p:notesSz cx="6858000" cy="9144000"/>
@@ -129,7 +129,7 @@
           <p:cNvPr id="2" name="标题 1">
             <a:extLst>
               <a:ext uri="{FF2B5EF4-FFF2-40B4-BE49-F238E27FC236}">
-                <a16:creationId xmlns:a16="http://schemas.microsoft.com/office/drawing/2014/main" id="{266E9D1A-6D21-583E-C2EE-005414FE799B}"/>
+                <a16:creationId xmlns:a16="http://schemas.microsoft.com/office/drawing/2014/main" id="{98613E7E-794D-A237-674E-02212288FDC1}"/>
               </a:ext>
             </a:extLst>
           </p:cNvPr>
@@ -166,7 +166,7 @@
           <p:cNvPr id="3" name="副标题 2">
             <a:extLst>
               <a:ext uri="{FF2B5EF4-FFF2-40B4-BE49-F238E27FC236}">
-                <a16:creationId xmlns:a16="http://schemas.microsoft.com/office/drawing/2014/main" id="{99EAD7F7-0ED3-BC38-C47A-09512AA565FB}"/>
+                <a16:creationId xmlns:a16="http://schemas.microsoft.com/office/drawing/2014/main" id="{5E45D41F-EF61-4484-41B3-453327390632}"/>
               </a:ext>
             </a:extLst>
           </p:cNvPr>
@@ -236,7 +236,7 @@
           <p:cNvPr id="4" name="日期占位符 3">
             <a:extLst>
               <a:ext uri="{FF2B5EF4-FFF2-40B4-BE49-F238E27FC236}">
-                <a16:creationId xmlns:a16="http://schemas.microsoft.com/office/drawing/2014/main" id="{89B246B3-08F7-8B07-3A4D-BD91ACC53752}"/>
+                <a16:creationId xmlns:a16="http://schemas.microsoft.com/office/drawing/2014/main" id="{C5388CFB-404E-B6A2-261F-DF7A3AF01F1B}"/>
               </a:ext>
             </a:extLst>
           </p:cNvPr>
@@ -252,7 +252,7 @@
           <a:bodyPr/>
           <a:lstStyle/>
           <a:p>
-            <a:fld id="{12B44D18-DD3E-41EE-89EE-FF3DC24ED54E}" type="datetimeFigureOut">
+            <a:fld id="{A7D2BA85-E264-4DCC-983E-F0953272611F}" type="datetimeFigureOut">
               <a:rPr lang="zh-CN" altLang="en-US" smtClean="0"/>
               <a:t>2024/3/10</a:t>
             </a:fld>
@@ -265,7 +265,7 @@
           <p:cNvPr id="5" name="页脚占位符 4">
             <a:extLst>
               <a:ext uri="{FF2B5EF4-FFF2-40B4-BE49-F238E27FC236}">
-                <a16:creationId xmlns:a16="http://schemas.microsoft.com/office/drawing/2014/main" id="{C900827A-93CE-F9CF-26DF-1042BA0917D1}"/>
+                <a16:creationId xmlns:a16="http://schemas.microsoft.com/office/drawing/2014/main" id="{2E137767-1FAE-2189-EA68-6164A1768E08}"/>
               </a:ext>
             </a:extLst>
           </p:cNvPr>
@@ -290,7 +290,7 @@
           <p:cNvPr id="6" name="灯片编号占位符 5">
             <a:extLst>
               <a:ext uri="{FF2B5EF4-FFF2-40B4-BE49-F238E27FC236}">
-                <a16:creationId xmlns:a16="http://schemas.microsoft.com/office/drawing/2014/main" id="{B9106105-D046-0DDF-B1ED-B6B576644FDF}"/>
+                <a16:creationId xmlns:a16="http://schemas.microsoft.com/office/drawing/2014/main" id="{704CA92C-074F-19C8-CC11-237EC1CB18B0}"/>
               </a:ext>
             </a:extLst>
           </p:cNvPr>
@@ -306,7 +306,7 @@
           <a:bodyPr/>
           <a:lstStyle/>
           <a:p>
-            <a:fld id="{ACF8D114-7A5D-4525-93F7-482A9AB5253F}" type="slidenum">
+            <a:fld id="{315F5CEB-D5B0-4F30-AD27-56029F436B80}" type="slidenum">
               <a:rPr lang="zh-CN" altLang="en-US" smtClean="0"/>
               <a:t>‹#›</a:t>
             </a:fld>
@@ -317,7 +317,7 @@
     </p:spTree>
     <p:extLst>
       <p:ext uri="{BB962C8B-B14F-4D97-AF65-F5344CB8AC3E}">
-        <p14:creationId xmlns:p14="http://schemas.microsoft.com/office/powerpoint/2010/main" val="3755924470"/>
+        <p14:creationId xmlns:p14="http://schemas.microsoft.com/office/powerpoint/2010/main" val="3229623612"/>
       </p:ext>
     </p:extLst>
   </p:cSld>
@@ -349,7 +349,7 @@
           <p:cNvPr id="2" name="标题 1">
             <a:extLst>
               <a:ext uri="{FF2B5EF4-FFF2-40B4-BE49-F238E27FC236}">
-                <a16:creationId xmlns:a16="http://schemas.microsoft.com/office/drawing/2014/main" id="{65C37EC7-DECE-236D-5B73-5A16B1743B27}"/>
+                <a16:creationId xmlns:a16="http://schemas.microsoft.com/office/drawing/2014/main" id="{FE7BB487-AADC-900E-5AA5-D6B7724A52BA}"/>
               </a:ext>
             </a:extLst>
           </p:cNvPr>
@@ -377,7 +377,7 @@
           <p:cNvPr id="3" name="竖排文字占位符 2">
             <a:extLst>
               <a:ext uri="{FF2B5EF4-FFF2-40B4-BE49-F238E27FC236}">
-                <a16:creationId xmlns:a16="http://schemas.microsoft.com/office/drawing/2014/main" id="{CA710FC4-6E03-49B7-EDC0-14514C02BB1E}"/>
+                <a16:creationId xmlns:a16="http://schemas.microsoft.com/office/drawing/2014/main" id="{0D529D9A-00EA-D712-879D-4B73E4F3C6D1}"/>
               </a:ext>
             </a:extLst>
           </p:cNvPr>
@@ -434,7 +434,7 @@
           <p:cNvPr id="4" name="日期占位符 3">
             <a:extLst>
               <a:ext uri="{FF2B5EF4-FFF2-40B4-BE49-F238E27FC236}">
-                <a16:creationId xmlns:a16="http://schemas.microsoft.com/office/drawing/2014/main" id="{61CFE785-D4EC-BE31-7F8B-AC37D833D00A}"/>
+                <a16:creationId xmlns:a16="http://schemas.microsoft.com/office/drawing/2014/main" id="{52C6D79D-A7BF-324F-CBD1-2CEE10FF2224}"/>
               </a:ext>
             </a:extLst>
           </p:cNvPr>
@@ -450,7 +450,7 @@
           <a:bodyPr/>
           <a:lstStyle/>
           <a:p>
-            <a:fld id="{12B44D18-DD3E-41EE-89EE-FF3DC24ED54E}" type="datetimeFigureOut">
+            <a:fld id="{A7D2BA85-E264-4DCC-983E-F0953272611F}" type="datetimeFigureOut">
               <a:rPr lang="zh-CN" altLang="en-US" smtClean="0"/>
               <a:t>2024/3/10</a:t>
             </a:fld>
@@ -463,7 +463,7 @@
           <p:cNvPr id="5" name="页脚占位符 4">
             <a:extLst>
               <a:ext uri="{FF2B5EF4-FFF2-40B4-BE49-F238E27FC236}">
-                <a16:creationId xmlns:a16="http://schemas.microsoft.com/office/drawing/2014/main" id="{E50CE814-CD0F-A7CB-731C-5272E340EB8E}"/>
+                <a16:creationId xmlns:a16="http://schemas.microsoft.com/office/drawing/2014/main" id="{618BFEC2-092A-08D0-CB86-76E2E7B71F58}"/>
               </a:ext>
             </a:extLst>
           </p:cNvPr>
@@ -488,7 +488,7 @@
           <p:cNvPr id="6" name="灯片编号占位符 5">
             <a:extLst>
               <a:ext uri="{FF2B5EF4-FFF2-40B4-BE49-F238E27FC236}">
-                <a16:creationId xmlns:a16="http://schemas.microsoft.com/office/drawing/2014/main" id="{B24D1294-3B47-D38A-CF23-89FC643D4C2D}"/>
+                <a16:creationId xmlns:a16="http://schemas.microsoft.com/office/drawing/2014/main" id="{01B7329E-28F4-D5CF-C75F-95776599D017}"/>
               </a:ext>
             </a:extLst>
           </p:cNvPr>
@@ -504,7 +504,7 @@
           <a:bodyPr/>
           <a:lstStyle/>
           <a:p>
-            <a:fld id="{ACF8D114-7A5D-4525-93F7-482A9AB5253F}" type="slidenum">
+            <a:fld id="{315F5CEB-D5B0-4F30-AD27-56029F436B80}" type="slidenum">
               <a:rPr lang="zh-CN" altLang="en-US" smtClean="0"/>
               <a:t>‹#›</a:t>
             </a:fld>
@@ -515,7 +515,7 @@
     </p:spTree>
     <p:extLst>
       <p:ext uri="{BB962C8B-B14F-4D97-AF65-F5344CB8AC3E}">
-        <p14:creationId xmlns:p14="http://schemas.microsoft.com/office/powerpoint/2010/main" val="3214691393"/>
+        <p14:creationId xmlns:p14="http://schemas.microsoft.com/office/powerpoint/2010/main" val="2830360456"/>
       </p:ext>
     </p:extLst>
   </p:cSld>
@@ -547,7 +547,7 @@
           <p:cNvPr id="2" name="竖排标题 1">
             <a:extLst>
               <a:ext uri="{FF2B5EF4-FFF2-40B4-BE49-F238E27FC236}">
-                <a16:creationId xmlns:a16="http://schemas.microsoft.com/office/drawing/2014/main" id="{36E15AF3-C74B-F1BF-AC93-FC22517C7EE8}"/>
+                <a16:creationId xmlns:a16="http://schemas.microsoft.com/office/drawing/2014/main" id="{F1CB6773-9EA3-356D-C5FC-633A596384C0}"/>
               </a:ext>
             </a:extLst>
           </p:cNvPr>
@@ -580,7 +580,7 @@
           <p:cNvPr id="3" name="竖排文字占位符 2">
             <a:extLst>
               <a:ext uri="{FF2B5EF4-FFF2-40B4-BE49-F238E27FC236}">
-                <a16:creationId xmlns:a16="http://schemas.microsoft.com/office/drawing/2014/main" id="{23CAEC8C-C287-FA4A-EBD0-B78BD889618F}"/>
+                <a16:creationId xmlns:a16="http://schemas.microsoft.com/office/drawing/2014/main" id="{81D6D1DA-A3EF-00F5-C3A9-E515BB464A94}"/>
               </a:ext>
             </a:extLst>
           </p:cNvPr>
@@ -642,7 +642,7 @@
           <p:cNvPr id="4" name="日期占位符 3">
             <a:extLst>
               <a:ext uri="{FF2B5EF4-FFF2-40B4-BE49-F238E27FC236}">
-                <a16:creationId xmlns:a16="http://schemas.microsoft.com/office/drawing/2014/main" id="{717F7D08-7169-F325-5DE2-33216ED0B039}"/>
+                <a16:creationId xmlns:a16="http://schemas.microsoft.com/office/drawing/2014/main" id="{E3275842-2797-0F16-B518-F8C0C027CD30}"/>
               </a:ext>
             </a:extLst>
           </p:cNvPr>
@@ -658,7 +658,7 @@
           <a:bodyPr/>
           <a:lstStyle/>
           <a:p>
-            <a:fld id="{12B44D18-DD3E-41EE-89EE-FF3DC24ED54E}" type="datetimeFigureOut">
+            <a:fld id="{A7D2BA85-E264-4DCC-983E-F0953272611F}" type="datetimeFigureOut">
               <a:rPr lang="zh-CN" altLang="en-US" smtClean="0"/>
               <a:t>2024/3/10</a:t>
             </a:fld>
@@ -671,7 +671,7 @@
           <p:cNvPr id="5" name="页脚占位符 4">
             <a:extLst>
               <a:ext uri="{FF2B5EF4-FFF2-40B4-BE49-F238E27FC236}">
-                <a16:creationId xmlns:a16="http://schemas.microsoft.com/office/drawing/2014/main" id="{11B487A1-3AE0-66C6-C66B-BB6A9F7EE8C9}"/>
+                <a16:creationId xmlns:a16="http://schemas.microsoft.com/office/drawing/2014/main" id="{71A8FE8A-6E8D-E575-1FC8-D916E7D446A0}"/>
               </a:ext>
             </a:extLst>
           </p:cNvPr>
@@ -696,7 +696,7 @@
           <p:cNvPr id="6" name="灯片编号占位符 5">
             <a:extLst>
               <a:ext uri="{FF2B5EF4-FFF2-40B4-BE49-F238E27FC236}">
-                <a16:creationId xmlns:a16="http://schemas.microsoft.com/office/drawing/2014/main" id="{B7F67C48-ACB4-BA85-3B5D-5B264C967BB1}"/>
+                <a16:creationId xmlns:a16="http://schemas.microsoft.com/office/drawing/2014/main" id="{41AEB6F5-1F87-ACF3-A673-921D7D6FD850}"/>
               </a:ext>
             </a:extLst>
           </p:cNvPr>
@@ -712,7 +712,7 @@
           <a:bodyPr/>
           <a:lstStyle/>
           <a:p>
-            <a:fld id="{ACF8D114-7A5D-4525-93F7-482A9AB5253F}" type="slidenum">
+            <a:fld id="{315F5CEB-D5B0-4F30-AD27-56029F436B80}" type="slidenum">
               <a:rPr lang="zh-CN" altLang="en-US" smtClean="0"/>
               <a:t>‹#›</a:t>
             </a:fld>
@@ -723,7 +723,7 @@
     </p:spTree>
     <p:extLst>
       <p:ext uri="{BB962C8B-B14F-4D97-AF65-F5344CB8AC3E}">
-        <p14:creationId xmlns:p14="http://schemas.microsoft.com/office/powerpoint/2010/main" val="3554231131"/>
+        <p14:creationId xmlns:p14="http://schemas.microsoft.com/office/powerpoint/2010/main" val="4265920050"/>
       </p:ext>
     </p:extLst>
   </p:cSld>
@@ -755,7 +755,7 @@
           <p:cNvPr id="2" name="标题 1">
             <a:extLst>
               <a:ext uri="{FF2B5EF4-FFF2-40B4-BE49-F238E27FC236}">
-                <a16:creationId xmlns:a16="http://schemas.microsoft.com/office/drawing/2014/main" id="{605AC894-3504-F9A3-B9C5-B55650ED7D9F}"/>
+                <a16:creationId xmlns:a16="http://schemas.microsoft.com/office/drawing/2014/main" id="{73358226-F2E4-E0E9-B00A-D60155D22DC1}"/>
               </a:ext>
             </a:extLst>
           </p:cNvPr>
@@ -783,7 +783,7 @@
           <p:cNvPr id="3" name="内容占位符 2">
             <a:extLst>
               <a:ext uri="{FF2B5EF4-FFF2-40B4-BE49-F238E27FC236}">
-                <a16:creationId xmlns:a16="http://schemas.microsoft.com/office/drawing/2014/main" id="{FC105431-2295-6972-1982-C5A7F39D50FC}"/>
+                <a16:creationId xmlns:a16="http://schemas.microsoft.com/office/drawing/2014/main" id="{3CFCD602-73DB-37C6-D086-153977728AC3}"/>
               </a:ext>
             </a:extLst>
           </p:cNvPr>
@@ -840,7 +840,7 @@
           <p:cNvPr id="4" name="日期占位符 3">
             <a:extLst>
               <a:ext uri="{FF2B5EF4-FFF2-40B4-BE49-F238E27FC236}">
-                <a16:creationId xmlns:a16="http://schemas.microsoft.com/office/drawing/2014/main" id="{0BD190F7-F0D6-249F-3C9D-423EB2E5C3BB}"/>
+                <a16:creationId xmlns:a16="http://schemas.microsoft.com/office/drawing/2014/main" id="{2E781255-1EAB-69FA-31B5-B584914AE0FA}"/>
               </a:ext>
             </a:extLst>
           </p:cNvPr>
@@ -856,7 +856,7 @@
           <a:bodyPr/>
           <a:lstStyle/>
           <a:p>
-            <a:fld id="{12B44D18-DD3E-41EE-89EE-FF3DC24ED54E}" type="datetimeFigureOut">
+            <a:fld id="{A7D2BA85-E264-4DCC-983E-F0953272611F}" type="datetimeFigureOut">
               <a:rPr lang="zh-CN" altLang="en-US" smtClean="0"/>
               <a:t>2024/3/10</a:t>
             </a:fld>
@@ -869,7 +869,7 @@
           <p:cNvPr id="5" name="页脚占位符 4">
             <a:extLst>
               <a:ext uri="{FF2B5EF4-FFF2-40B4-BE49-F238E27FC236}">
-                <a16:creationId xmlns:a16="http://schemas.microsoft.com/office/drawing/2014/main" id="{AD95D365-A57C-DA17-A003-BADF0BE5D2B8}"/>
+                <a16:creationId xmlns:a16="http://schemas.microsoft.com/office/drawing/2014/main" id="{C16BABEA-DFF4-FCD5-926F-147C72EA2186}"/>
               </a:ext>
             </a:extLst>
           </p:cNvPr>
@@ -894,7 +894,7 @@
           <p:cNvPr id="6" name="灯片编号占位符 5">
             <a:extLst>
               <a:ext uri="{FF2B5EF4-FFF2-40B4-BE49-F238E27FC236}">
-                <a16:creationId xmlns:a16="http://schemas.microsoft.com/office/drawing/2014/main" id="{8C5D47BC-FEC6-773F-900B-6A35B891BD9F}"/>
+                <a16:creationId xmlns:a16="http://schemas.microsoft.com/office/drawing/2014/main" id="{A8232F03-1D64-E112-10FD-37D57B323C1F}"/>
               </a:ext>
             </a:extLst>
           </p:cNvPr>
@@ -910,7 +910,7 @@
           <a:bodyPr/>
           <a:lstStyle/>
           <a:p>
-            <a:fld id="{ACF8D114-7A5D-4525-93F7-482A9AB5253F}" type="slidenum">
+            <a:fld id="{315F5CEB-D5B0-4F30-AD27-56029F436B80}" type="slidenum">
               <a:rPr lang="zh-CN" altLang="en-US" smtClean="0"/>
               <a:t>‹#›</a:t>
             </a:fld>
@@ -921,7 +921,7 @@
     </p:spTree>
     <p:extLst>
       <p:ext uri="{BB962C8B-B14F-4D97-AF65-F5344CB8AC3E}">
-        <p14:creationId xmlns:p14="http://schemas.microsoft.com/office/powerpoint/2010/main" val="577887852"/>
+        <p14:creationId xmlns:p14="http://schemas.microsoft.com/office/powerpoint/2010/main" val="3843308583"/>
       </p:ext>
     </p:extLst>
   </p:cSld>
@@ -953,7 +953,7 @@
           <p:cNvPr id="2" name="标题 1">
             <a:extLst>
               <a:ext uri="{FF2B5EF4-FFF2-40B4-BE49-F238E27FC236}">
-                <a16:creationId xmlns:a16="http://schemas.microsoft.com/office/drawing/2014/main" id="{AC6F35F7-36FF-30F6-9A20-47F0E1DE6A55}"/>
+                <a16:creationId xmlns:a16="http://schemas.microsoft.com/office/drawing/2014/main" id="{122BD83B-61C5-851A-9196-50F2067AAB8D}"/>
               </a:ext>
             </a:extLst>
           </p:cNvPr>
@@ -990,7 +990,7 @@
           <p:cNvPr id="3" name="文本占位符 2">
             <a:extLst>
               <a:ext uri="{FF2B5EF4-FFF2-40B4-BE49-F238E27FC236}">
-                <a16:creationId xmlns:a16="http://schemas.microsoft.com/office/drawing/2014/main" id="{84B9A3A7-E3CA-8181-F56A-E69F77183BFF}"/>
+                <a16:creationId xmlns:a16="http://schemas.microsoft.com/office/drawing/2014/main" id="{116FABC2-9502-1C93-8183-DF8CE9E76F27}"/>
               </a:ext>
             </a:extLst>
           </p:cNvPr>
@@ -1115,7 +1115,7 @@
           <p:cNvPr id="4" name="日期占位符 3">
             <a:extLst>
               <a:ext uri="{FF2B5EF4-FFF2-40B4-BE49-F238E27FC236}">
-                <a16:creationId xmlns:a16="http://schemas.microsoft.com/office/drawing/2014/main" id="{7E7A3213-BFB0-4105-1680-DD3799819A28}"/>
+                <a16:creationId xmlns:a16="http://schemas.microsoft.com/office/drawing/2014/main" id="{F1DB26A9-6313-C7F9-06B9-80EE36AAED86}"/>
               </a:ext>
             </a:extLst>
           </p:cNvPr>
@@ -1131,7 +1131,7 @@
           <a:bodyPr/>
           <a:lstStyle/>
           <a:p>
-            <a:fld id="{12B44D18-DD3E-41EE-89EE-FF3DC24ED54E}" type="datetimeFigureOut">
+            <a:fld id="{A7D2BA85-E264-4DCC-983E-F0953272611F}" type="datetimeFigureOut">
               <a:rPr lang="zh-CN" altLang="en-US" smtClean="0"/>
               <a:t>2024/3/10</a:t>
             </a:fld>
@@ -1144,7 +1144,7 @@
           <p:cNvPr id="5" name="页脚占位符 4">
             <a:extLst>
               <a:ext uri="{FF2B5EF4-FFF2-40B4-BE49-F238E27FC236}">
-                <a16:creationId xmlns:a16="http://schemas.microsoft.com/office/drawing/2014/main" id="{2290786D-DD6E-78D6-3D80-DC7C8D6DBC09}"/>
+                <a16:creationId xmlns:a16="http://schemas.microsoft.com/office/drawing/2014/main" id="{F68C9BED-024F-F463-922F-F7E80035D10A}"/>
               </a:ext>
             </a:extLst>
           </p:cNvPr>
@@ -1169,7 +1169,7 @@
           <p:cNvPr id="6" name="灯片编号占位符 5">
             <a:extLst>
               <a:ext uri="{FF2B5EF4-FFF2-40B4-BE49-F238E27FC236}">
-                <a16:creationId xmlns:a16="http://schemas.microsoft.com/office/drawing/2014/main" id="{8E2331E1-1B9E-F865-C2EE-7791C56556D7}"/>
+                <a16:creationId xmlns:a16="http://schemas.microsoft.com/office/drawing/2014/main" id="{EA3154C3-7CBC-B02F-AE97-DED9E45AC36A}"/>
               </a:ext>
             </a:extLst>
           </p:cNvPr>
@@ -1185,7 +1185,7 @@
           <a:bodyPr/>
           <a:lstStyle/>
           <a:p>
-            <a:fld id="{ACF8D114-7A5D-4525-93F7-482A9AB5253F}" type="slidenum">
+            <a:fld id="{315F5CEB-D5B0-4F30-AD27-56029F436B80}" type="slidenum">
               <a:rPr lang="zh-CN" altLang="en-US" smtClean="0"/>
               <a:t>‹#›</a:t>
             </a:fld>
@@ -1196,7 +1196,7 @@
     </p:spTree>
     <p:extLst>
       <p:ext uri="{BB962C8B-B14F-4D97-AF65-F5344CB8AC3E}">
-        <p14:creationId xmlns:p14="http://schemas.microsoft.com/office/powerpoint/2010/main" val="3884202220"/>
+        <p14:creationId xmlns:p14="http://schemas.microsoft.com/office/powerpoint/2010/main" val="4187336428"/>
       </p:ext>
     </p:extLst>
   </p:cSld>
@@ -1228,7 +1228,7 @@
           <p:cNvPr id="2" name="标题 1">
             <a:extLst>
               <a:ext uri="{FF2B5EF4-FFF2-40B4-BE49-F238E27FC236}">
-                <a16:creationId xmlns:a16="http://schemas.microsoft.com/office/drawing/2014/main" id="{907F79C6-F169-ABEE-55E4-1E4C60A1264B}"/>
+                <a16:creationId xmlns:a16="http://schemas.microsoft.com/office/drawing/2014/main" id="{454317B7-6F89-2A98-48F8-6FEB114EA6E3}"/>
               </a:ext>
             </a:extLst>
           </p:cNvPr>
@@ -1256,7 +1256,7 @@
           <p:cNvPr id="3" name="内容占位符 2">
             <a:extLst>
               <a:ext uri="{FF2B5EF4-FFF2-40B4-BE49-F238E27FC236}">
-                <a16:creationId xmlns:a16="http://schemas.microsoft.com/office/drawing/2014/main" id="{0F1D547F-533F-0639-9DA8-95CB619EA24F}"/>
+                <a16:creationId xmlns:a16="http://schemas.microsoft.com/office/drawing/2014/main" id="{78710151-548E-A92F-0A3A-94F0E19CFDC6}"/>
               </a:ext>
             </a:extLst>
           </p:cNvPr>
@@ -1318,7 +1318,7 @@
           <p:cNvPr id="4" name="内容占位符 3">
             <a:extLst>
               <a:ext uri="{FF2B5EF4-FFF2-40B4-BE49-F238E27FC236}">
-                <a16:creationId xmlns:a16="http://schemas.microsoft.com/office/drawing/2014/main" id="{13621A54-691D-1B36-FD3E-BCE7AA84169F}"/>
+                <a16:creationId xmlns:a16="http://schemas.microsoft.com/office/drawing/2014/main" id="{406CF3B4-CADF-6E06-6098-3A008AEE0B07}"/>
               </a:ext>
             </a:extLst>
           </p:cNvPr>
@@ -1380,7 +1380,7 @@
           <p:cNvPr id="5" name="日期占位符 4">
             <a:extLst>
               <a:ext uri="{FF2B5EF4-FFF2-40B4-BE49-F238E27FC236}">
-                <a16:creationId xmlns:a16="http://schemas.microsoft.com/office/drawing/2014/main" id="{724E257E-4AF8-FFF7-82CB-DA693ECC98FF}"/>
+                <a16:creationId xmlns:a16="http://schemas.microsoft.com/office/drawing/2014/main" id="{09C217D2-85C8-B717-ED0B-6FD505C43E3E}"/>
               </a:ext>
             </a:extLst>
           </p:cNvPr>
@@ -1396,7 +1396,7 @@
           <a:bodyPr/>
           <a:lstStyle/>
           <a:p>
-            <a:fld id="{12B44D18-DD3E-41EE-89EE-FF3DC24ED54E}" type="datetimeFigureOut">
+            <a:fld id="{A7D2BA85-E264-4DCC-983E-F0953272611F}" type="datetimeFigureOut">
               <a:rPr lang="zh-CN" altLang="en-US" smtClean="0"/>
               <a:t>2024/3/10</a:t>
             </a:fld>
@@ -1409,7 +1409,7 @@
           <p:cNvPr id="6" name="页脚占位符 5">
             <a:extLst>
               <a:ext uri="{FF2B5EF4-FFF2-40B4-BE49-F238E27FC236}">
-                <a16:creationId xmlns:a16="http://schemas.microsoft.com/office/drawing/2014/main" id="{C0C9EC90-6778-4914-017E-81134853AE89}"/>
+                <a16:creationId xmlns:a16="http://schemas.microsoft.com/office/drawing/2014/main" id="{9C9944B0-2FDF-E9DF-D0BC-1D00413DD011}"/>
               </a:ext>
             </a:extLst>
           </p:cNvPr>
@@ -1434,7 +1434,7 @@
           <p:cNvPr id="7" name="灯片编号占位符 6">
             <a:extLst>
               <a:ext uri="{FF2B5EF4-FFF2-40B4-BE49-F238E27FC236}">
-                <a16:creationId xmlns:a16="http://schemas.microsoft.com/office/drawing/2014/main" id="{90CF6FEB-D774-6C6F-DB3D-B313EDDE5A18}"/>
+                <a16:creationId xmlns:a16="http://schemas.microsoft.com/office/drawing/2014/main" id="{119439F3-F313-838C-D4B0-4458FD9E66D9}"/>
               </a:ext>
             </a:extLst>
           </p:cNvPr>
@@ -1450,7 +1450,7 @@
           <a:bodyPr/>
           <a:lstStyle/>
           <a:p>
-            <a:fld id="{ACF8D114-7A5D-4525-93F7-482A9AB5253F}" type="slidenum">
+            <a:fld id="{315F5CEB-D5B0-4F30-AD27-56029F436B80}" type="slidenum">
               <a:rPr lang="zh-CN" altLang="en-US" smtClean="0"/>
               <a:t>‹#›</a:t>
             </a:fld>
@@ -1461,7 +1461,7 @@
     </p:spTree>
     <p:extLst>
       <p:ext uri="{BB962C8B-B14F-4D97-AF65-F5344CB8AC3E}">
-        <p14:creationId xmlns:p14="http://schemas.microsoft.com/office/powerpoint/2010/main" val="806471381"/>
+        <p14:creationId xmlns:p14="http://schemas.microsoft.com/office/powerpoint/2010/main" val="1280150906"/>
       </p:ext>
     </p:extLst>
   </p:cSld>
@@ -1493,7 +1493,7 @@
           <p:cNvPr id="2" name="标题 1">
             <a:extLst>
               <a:ext uri="{FF2B5EF4-FFF2-40B4-BE49-F238E27FC236}">
-                <a16:creationId xmlns:a16="http://schemas.microsoft.com/office/drawing/2014/main" id="{0D404107-1C4C-0C4F-1010-7C5FB7848FB8}"/>
+                <a16:creationId xmlns:a16="http://schemas.microsoft.com/office/drawing/2014/main" id="{A6D8E929-7926-6134-9D55-5E14F8032830}"/>
               </a:ext>
             </a:extLst>
           </p:cNvPr>
@@ -1526,7 +1526,7 @@
           <p:cNvPr id="3" name="文本占位符 2">
             <a:extLst>
               <a:ext uri="{FF2B5EF4-FFF2-40B4-BE49-F238E27FC236}">
-                <a16:creationId xmlns:a16="http://schemas.microsoft.com/office/drawing/2014/main" id="{7C516793-87AF-0299-957B-1D71D777864F}"/>
+                <a16:creationId xmlns:a16="http://schemas.microsoft.com/office/drawing/2014/main" id="{763D84F6-D2AE-55AD-A558-90C6D47269B4}"/>
               </a:ext>
             </a:extLst>
           </p:cNvPr>
@@ -1597,7 +1597,7 @@
           <p:cNvPr id="4" name="内容占位符 3">
             <a:extLst>
               <a:ext uri="{FF2B5EF4-FFF2-40B4-BE49-F238E27FC236}">
-                <a16:creationId xmlns:a16="http://schemas.microsoft.com/office/drawing/2014/main" id="{39C57DBC-43E7-4DFB-0A89-C59F21861869}"/>
+                <a16:creationId xmlns:a16="http://schemas.microsoft.com/office/drawing/2014/main" id="{1C660812-771F-F1D3-C249-1CE0EAC8ACAF}"/>
               </a:ext>
             </a:extLst>
           </p:cNvPr>
@@ -1659,7 +1659,7 @@
           <p:cNvPr id="5" name="文本占位符 4">
             <a:extLst>
               <a:ext uri="{FF2B5EF4-FFF2-40B4-BE49-F238E27FC236}">
-                <a16:creationId xmlns:a16="http://schemas.microsoft.com/office/drawing/2014/main" id="{34249D2C-19E1-D25D-88C1-2F251C7791BE}"/>
+                <a16:creationId xmlns:a16="http://schemas.microsoft.com/office/drawing/2014/main" id="{EAB48F45-0B7F-1E45-A470-F030D0310C5F}"/>
               </a:ext>
             </a:extLst>
           </p:cNvPr>
@@ -1730,7 +1730,7 @@
           <p:cNvPr id="6" name="内容占位符 5">
             <a:extLst>
               <a:ext uri="{FF2B5EF4-FFF2-40B4-BE49-F238E27FC236}">
-                <a16:creationId xmlns:a16="http://schemas.microsoft.com/office/drawing/2014/main" id="{BE77A6E2-C2EB-AC92-D350-1484C00BA8D9}"/>
+                <a16:creationId xmlns:a16="http://schemas.microsoft.com/office/drawing/2014/main" id="{78ABE782-3A52-1C71-B388-21400F73A8FD}"/>
               </a:ext>
             </a:extLst>
           </p:cNvPr>
@@ -1792,7 +1792,7 @@
           <p:cNvPr id="7" name="日期占位符 6">
             <a:extLst>
               <a:ext uri="{FF2B5EF4-FFF2-40B4-BE49-F238E27FC236}">
-                <a16:creationId xmlns:a16="http://schemas.microsoft.com/office/drawing/2014/main" id="{49D86590-F012-ADE9-2DFE-152D56AFED3E}"/>
+                <a16:creationId xmlns:a16="http://schemas.microsoft.com/office/drawing/2014/main" id="{FF0B09A4-6E89-3DDC-3B28-12035FE59655}"/>
               </a:ext>
             </a:extLst>
           </p:cNvPr>
@@ -1808,7 +1808,7 @@
           <a:bodyPr/>
           <a:lstStyle/>
           <a:p>
-            <a:fld id="{12B44D18-DD3E-41EE-89EE-FF3DC24ED54E}" type="datetimeFigureOut">
+            <a:fld id="{A7D2BA85-E264-4DCC-983E-F0953272611F}" type="datetimeFigureOut">
               <a:rPr lang="zh-CN" altLang="en-US" smtClean="0"/>
               <a:t>2024/3/10</a:t>
             </a:fld>
@@ -1821,7 +1821,7 @@
           <p:cNvPr id="8" name="页脚占位符 7">
             <a:extLst>
               <a:ext uri="{FF2B5EF4-FFF2-40B4-BE49-F238E27FC236}">
-                <a16:creationId xmlns:a16="http://schemas.microsoft.com/office/drawing/2014/main" id="{5B3AE95A-E478-A62F-CED4-A6397DACE85C}"/>
+                <a16:creationId xmlns:a16="http://schemas.microsoft.com/office/drawing/2014/main" id="{A92235C2-A608-733A-8AB2-4648F8C461D7}"/>
               </a:ext>
             </a:extLst>
           </p:cNvPr>
@@ -1846,7 +1846,7 @@
           <p:cNvPr id="9" name="灯片编号占位符 8">
             <a:extLst>
               <a:ext uri="{FF2B5EF4-FFF2-40B4-BE49-F238E27FC236}">
-                <a16:creationId xmlns:a16="http://schemas.microsoft.com/office/drawing/2014/main" id="{4C0AF7BF-ABD4-8888-5EF4-B6EBD0C02899}"/>
+                <a16:creationId xmlns:a16="http://schemas.microsoft.com/office/drawing/2014/main" id="{329E491F-34D5-B41F-AC30-18D5934C155F}"/>
               </a:ext>
             </a:extLst>
           </p:cNvPr>
@@ -1862,7 +1862,7 @@
           <a:bodyPr/>
           <a:lstStyle/>
           <a:p>
-            <a:fld id="{ACF8D114-7A5D-4525-93F7-482A9AB5253F}" type="slidenum">
+            <a:fld id="{315F5CEB-D5B0-4F30-AD27-56029F436B80}" type="slidenum">
               <a:rPr lang="zh-CN" altLang="en-US" smtClean="0"/>
               <a:t>‹#›</a:t>
             </a:fld>
@@ -1873,7 +1873,7 @@
     </p:spTree>
     <p:extLst>
       <p:ext uri="{BB962C8B-B14F-4D97-AF65-F5344CB8AC3E}">
-        <p14:creationId xmlns:p14="http://schemas.microsoft.com/office/powerpoint/2010/main" val="1292875266"/>
+        <p14:creationId xmlns:p14="http://schemas.microsoft.com/office/powerpoint/2010/main" val="862355428"/>
       </p:ext>
     </p:extLst>
   </p:cSld>
@@ -1905,7 +1905,7 @@
           <p:cNvPr id="2" name="标题 1">
             <a:extLst>
               <a:ext uri="{FF2B5EF4-FFF2-40B4-BE49-F238E27FC236}">
-                <a16:creationId xmlns:a16="http://schemas.microsoft.com/office/drawing/2014/main" id="{8E1D8CA8-7F19-201A-9AFF-A72CA1B533DF}"/>
+                <a16:creationId xmlns:a16="http://schemas.microsoft.com/office/drawing/2014/main" id="{5DD7A22C-3E8E-DF9F-AE30-E87E7026AD8E}"/>
               </a:ext>
             </a:extLst>
           </p:cNvPr>
@@ -1933,7 +1933,7 @@
           <p:cNvPr id="3" name="日期占位符 2">
             <a:extLst>
               <a:ext uri="{FF2B5EF4-FFF2-40B4-BE49-F238E27FC236}">
-                <a16:creationId xmlns:a16="http://schemas.microsoft.com/office/drawing/2014/main" id="{910B9F0D-3AE1-1861-57FD-9C348A5C8DF7}"/>
+                <a16:creationId xmlns:a16="http://schemas.microsoft.com/office/drawing/2014/main" id="{1DFAE559-E039-5078-1F86-DA021F70FB8C}"/>
               </a:ext>
             </a:extLst>
           </p:cNvPr>
@@ -1949,7 +1949,7 @@
           <a:bodyPr/>
           <a:lstStyle/>
           <a:p>
-            <a:fld id="{12B44D18-DD3E-41EE-89EE-FF3DC24ED54E}" type="datetimeFigureOut">
+            <a:fld id="{A7D2BA85-E264-4DCC-983E-F0953272611F}" type="datetimeFigureOut">
               <a:rPr lang="zh-CN" altLang="en-US" smtClean="0"/>
               <a:t>2024/3/10</a:t>
             </a:fld>
@@ -1962,7 +1962,7 @@
           <p:cNvPr id="4" name="页脚占位符 3">
             <a:extLst>
               <a:ext uri="{FF2B5EF4-FFF2-40B4-BE49-F238E27FC236}">
-                <a16:creationId xmlns:a16="http://schemas.microsoft.com/office/drawing/2014/main" id="{B81CE694-7D96-D6A8-A65D-9E1F7900C8B8}"/>
+                <a16:creationId xmlns:a16="http://schemas.microsoft.com/office/drawing/2014/main" id="{87DE6B7E-FEB1-543F-98C7-AEAB16F2DB09}"/>
               </a:ext>
             </a:extLst>
           </p:cNvPr>
@@ -1987,7 +1987,7 @@
           <p:cNvPr id="5" name="灯片编号占位符 4">
             <a:extLst>
               <a:ext uri="{FF2B5EF4-FFF2-40B4-BE49-F238E27FC236}">
-                <a16:creationId xmlns:a16="http://schemas.microsoft.com/office/drawing/2014/main" id="{62DF1F7E-CD5A-CB76-9587-BF3F095A9CA0}"/>
+                <a16:creationId xmlns:a16="http://schemas.microsoft.com/office/drawing/2014/main" id="{450595C6-1590-C471-F95D-23F11E2EB5C2}"/>
               </a:ext>
             </a:extLst>
           </p:cNvPr>
@@ -2003,7 +2003,7 @@
           <a:bodyPr/>
           <a:lstStyle/>
           <a:p>
-            <a:fld id="{ACF8D114-7A5D-4525-93F7-482A9AB5253F}" type="slidenum">
+            <a:fld id="{315F5CEB-D5B0-4F30-AD27-56029F436B80}" type="slidenum">
               <a:rPr lang="zh-CN" altLang="en-US" smtClean="0"/>
               <a:t>‹#›</a:t>
             </a:fld>
@@ -2014,7 +2014,7 @@
     </p:spTree>
     <p:extLst>
       <p:ext uri="{BB962C8B-B14F-4D97-AF65-F5344CB8AC3E}">
-        <p14:creationId xmlns:p14="http://schemas.microsoft.com/office/powerpoint/2010/main" val="803912286"/>
+        <p14:creationId xmlns:p14="http://schemas.microsoft.com/office/powerpoint/2010/main" val="3652588908"/>
       </p:ext>
     </p:extLst>
   </p:cSld>
@@ -2046,7 +2046,7 @@
           <p:cNvPr id="2" name="日期占位符 1">
             <a:extLst>
               <a:ext uri="{FF2B5EF4-FFF2-40B4-BE49-F238E27FC236}">
-                <a16:creationId xmlns:a16="http://schemas.microsoft.com/office/drawing/2014/main" id="{6D9C96C6-59D4-9DAA-EBFC-90588FBFC15F}"/>
+                <a16:creationId xmlns:a16="http://schemas.microsoft.com/office/drawing/2014/main" id="{429C8EAA-B5EE-C62D-1D6D-5D0F4B556EED}"/>
               </a:ext>
             </a:extLst>
           </p:cNvPr>
@@ -2062,7 +2062,7 @@
           <a:bodyPr/>
           <a:lstStyle/>
           <a:p>
-            <a:fld id="{12B44D18-DD3E-41EE-89EE-FF3DC24ED54E}" type="datetimeFigureOut">
+            <a:fld id="{A7D2BA85-E264-4DCC-983E-F0953272611F}" type="datetimeFigureOut">
               <a:rPr lang="zh-CN" altLang="en-US" smtClean="0"/>
               <a:t>2024/3/10</a:t>
             </a:fld>
@@ -2075,7 +2075,7 @@
           <p:cNvPr id="3" name="页脚占位符 2">
             <a:extLst>
               <a:ext uri="{FF2B5EF4-FFF2-40B4-BE49-F238E27FC236}">
-                <a16:creationId xmlns:a16="http://schemas.microsoft.com/office/drawing/2014/main" id="{59F94E1A-ACE3-139D-AEBE-6662795E7303}"/>
+                <a16:creationId xmlns:a16="http://schemas.microsoft.com/office/drawing/2014/main" id="{B40A7750-2B61-48ED-1C07-41AD556A2607}"/>
               </a:ext>
             </a:extLst>
           </p:cNvPr>
@@ -2100,7 +2100,7 @@
           <p:cNvPr id="4" name="灯片编号占位符 3">
             <a:extLst>
               <a:ext uri="{FF2B5EF4-FFF2-40B4-BE49-F238E27FC236}">
-                <a16:creationId xmlns:a16="http://schemas.microsoft.com/office/drawing/2014/main" id="{C62C958D-DF04-6259-A5BA-DC1D2738630B}"/>
+                <a16:creationId xmlns:a16="http://schemas.microsoft.com/office/drawing/2014/main" id="{A07202ED-7CB8-6118-B63C-F3789C153AF5}"/>
               </a:ext>
             </a:extLst>
           </p:cNvPr>
@@ -2116,7 +2116,7 @@
           <a:bodyPr/>
           <a:lstStyle/>
           <a:p>
-            <a:fld id="{ACF8D114-7A5D-4525-93F7-482A9AB5253F}" type="slidenum">
+            <a:fld id="{315F5CEB-D5B0-4F30-AD27-56029F436B80}" type="slidenum">
               <a:rPr lang="zh-CN" altLang="en-US" smtClean="0"/>
               <a:t>‹#›</a:t>
             </a:fld>
@@ -2127,7 +2127,7 @@
     </p:spTree>
     <p:extLst>
       <p:ext uri="{BB962C8B-B14F-4D97-AF65-F5344CB8AC3E}">
-        <p14:creationId xmlns:p14="http://schemas.microsoft.com/office/powerpoint/2010/main" val="1284835341"/>
+        <p14:creationId xmlns:p14="http://schemas.microsoft.com/office/powerpoint/2010/main" val="3050682475"/>
       </p:ext>
     </p:extLst>
   </p:cSld>
@@ -2159,7 +2159,7 @@
           <p:cNvPr id="2" name="标题 1">
             <a:extLst>
               <a:ext uri="{FF2B5EF4-FFF2-40B4-BE49-F238E27FC236}">
-                <a16:creationId xmlns:a16="http://schemas.microsoft.com/office/drawing/2014/main" id="{0704C90A-B80C-FF31-B58F-1DB11EC0C25C}"/>
+                <a16:creationId xmlns:a16="http://schemas.microsoft.com/office/drawing/2014/main" id="{2997108B-6DA4-8DF1-A27B-49DDF206A92D}"/>
               </a:ext>
             </a:extLst>
           </p:cNvPr>
@@ -2196,7 +2196,7 @@
           <p:cNvPr id="3" name="内容占位符 2">
             <a:extLst>
               <a:ext uri="{FF2B5EF4-FFF2-40B4-BE49-F238E27FC236}">
-                <a16:creationId xmlns:a16="http://schemas.microsoft.com/office/drawing/2014/main" id="{919F2676-BD86-7DEB-23D4-A6857A0705CD}"/>
+                <a16:creationId xmlns:a16="http://schemas.microsoft.com/office/drawing/2014/main" id="{C5DF316B-1942-5786-8641-6E3E60213623}"/>
               </a:ext>
             </a:extLst>
           </p:cNvPr>
@@ -2286,7 +2286,7 @@
           <p:cNvPr id="4" name="文本占位符 3">
             <a:extLst>
               <a:ext uri="{FF2B5EF4-FFF2-40B4-BE49-F238E27FC236}">
-                <a16:creationId xmlns:a16="http://schemas.microsoft.com/office/drawing/2014/main" id="{53D00F67-FAD4-1F58-52E9-735408994001}"/>
+                <a16:creationId xmlns:a16="http://schemas.microsoft.com/office/drawing/2014/main" id="{2167DFAA-7A6E-31B2-CF89-5F693E6EFCA5}"/>
               </a:ext>
             </a:extLst>
           </p:cNvPr>
@@ -2357,7 +2357,7 @@
           <p:cNvPr id="5" name="日期占位符 4">
             <a:extLst>
               <a:ext uri="{FF2B5EF4-FFF2-40B4-BE49-F238E27FC236}">
-                <a16:creationId xmlns:a16="http://schemas.microsoft.com/office/drawing/2014/main" id="{30C72EE0-8A26-FD85-998D-2C539C1F3F5D}"/>
+                <a16:creationId xmlns:a16="http://schemas.microsoft.com/office/drawing/2014/main" id="{EDA54384-8514-B4E3-C37D-971AE91224AB}"/>
               </a:ext>
             </a:extLst>
           </p:cNvPr>
@@ -2373,7 +2373,7 @@
           <a:bodyPr/>
           <a:lstStyle/>
           <a:p>
-            <a:fld id="{12B44D18-DD3E-41EE-89EE-FF3DC24ED54E}" type="datetimeFigureOut">
+            <a:fld id="{A7D2BA85-E264-4DCC-983E-F0953272611F}" type="datetimeFigureOut">
               <a:rPr lang="zh-CN" altLang="en-US" smtClean="0"/>
               <a:t>2024/3/10</a:t>
             </a:fld>
@@ -2386,7 +2386,7 @@
           <p:cNvPr id="6" name="页脚占位符 5">
             <a:extLst>
               <a:ext uri="{FF2B5EF4-FFF2-40B4-BE49-F238E27FC236}">
-                <a16:creationId xmlns:a16="http://schemas.microsoft.com/office/drawing/2014/main" id="{825BFE4B-C40A-CD8E-2C0B-BF4B95D4D57C}"/>
+                <a16:creationId xmlns:a16="http://schemas.microsoft.com/office/drawing/2014/main" id="{FFFB9638-8E65-5D01-532F-897209D4313D}"/>
               </a:ext>
             </a:extLst>
           </p:cNvPr>
@@ -2411,7 +2411,7 @@
           <p:cNvPr id="7" name="灯片编号占位符 6">
             <a:extLst>
               <a:ext uri="{FF2B5EF4-FFF2-40B4-BE49-F238E27FC236}">
-                <a16:creationId xmlns:a16="http://schemas.microsoft.com/office/drawing/2014/main" id="{C9584631-6156-8075-081C-CA1E1E9FCEC6}"/>
+                <a16:creationId xmlns:a16="http://schemas.microsoft.com/office/drawing/2014/main" id="{A02B376C-DD46-E6BE-FEDC-FFE632C79A1B}"/>
               </a:ext>
             </a:extLst>
           </p:cNvPr>
@@ -2427,7 +2427,7 @@
           <a:bodyPr/>
           <a:lstStyle/>
           <a:p>
-            <a:fld id="{ACF8D114-7A5D-4525-93F7-482A9AB5253F}" type="slidenum">
+            <a:fld id="{315F5CEB-D5B0-4F30-AD27-56029F436B80}" type="slidenum">
               <a:rPr lang="zh-CN" altLang="en-US" smtClean="0"/>
               <a:t>‹#›</a:t>
             </a:fld>
@@ -2438,7 +2438,7 @@
     </p:spTree>
     <p:extLst>
       <p:ext uri="{BB962C8B-B14F-4D97-AF65-F5344CB8AC3E}">
-        <p14:creationId xmlns:p14="http://schemas.microsoft.com/office/powerpoint/2010/main" val="3341978510"/>
+        <p14:creationId xmlns:p14="http://schemas.microsoft.com/office/powerpoint/2010/main" val="3912608490"/>
       </p:ext>
     </p:extLst>
   </p:cSld>
@@ -2470,7 +2470,7 @@
           <p:cNvPr id="2" name="标题 1">
             <a:extLst>
               <a:ext uri="{FF2B5EF4-FFF2-40B4-BE49-F238E27FC236}">
-                <a16:creationId xmlns:a16="http://schemas.microsoft.com/office/drawing/2014/main" id="{171F7CA3-1AC5-3B2D-D0B8-0D84DBC2FBDE}"/>
+                <a16:creationId xmlns:a16="http://schemas.microsoft.com/office/drawing/2014/main" id="{4CE95D41-A8A6-44B3-D2B6-7188171DD41E}"/>
               </a:ext>
             </a:extLst>
           </p:cNvPr>
@@ -2507,7 +2507,7 @@
           <p:cNvPr id="3" name="图片占位符 2">
             <a:extLst>
               <a:ext uri="{FF2B5EF4-FFF2-40B4-BE49-F238E27FC236}">
-                <a16:creationId xmlns:a16="http://schemas.microsoft.com/office/drawing/2014/main" id="{1E1CFC9E-AEA2-E25D-44E3-80A6B0361C05}"/>
+                <a16:creationId xmlns:a16="http://schemas.microsoft.com/office/drawing/2014/main" id="{CA5F50C2-E61E-A2FE-5C3B-7E15DDE10740}"/>
               </a:ext>
             </a:extLst>
           </p:cNvPr>
@@ -2574,7 +2574,7 @@
           <p:cNvPr id="4" name="文本占位符 3">
             <a:extLst>
               <a:ext uri="{FF2B5EF4-FFF2-40B4-BE49-F238E27FC236}">
-                <a16:creationId xmlns:a16="http://schemas.microsoft.com/office/drawing/2014/main" id="{1EDBA4C9-FC24-9212-1497-2BC05509EFFA}"/>
+                <a16:creationId xmlns:a16="http://schemas.microsoft.com/office/drawing/2014/main" id="{FAEAA2B4-1518-07B0-6141-D09D2F241D36}"/>
               </a:ext>
             </a:extLst>
           </p:cNvPr>
@@ -2645,7 +2645,7 @@
           <p:cNvPr id="5" name="日期占位符 4">
             <a:extLst>
               <a:ext uri="{FF2B5EF4-FFF2-40B4-BE49-F238E27FC236}">
-                <a16:creationId xmlns:a16="http://schemas.microsoft.com/office/drawing/2014/main" id="{901AD4DA-5A86-6636-6487-CD52781359CB}"/>
+                <a16:creationId xmlns:a16="http://schemas.microsoft.com/office/drawing/2014/main" id="{6B80F07D-6072-EB91-126C-D8B0F50BA220}"/>
               </a:ext>
             </a:extLst>
           </p:cNvPr>
@@ -2661,7 +2661,7 @@
           <a:bodyPr/>
           <a:lstStyle/>
           <a:p>
-            <a:fld id="{12B44D18-DD3E-41EE-89EE-FF3DC24ED54E}" type="datetimeFigureOut">
+            <a:fld id="{A7D2BA85-E264-4DCC-983E-F0953272611F}" type="datetimeFigureOut">
               <a:rPr lang="zh-CN" altLang="en-US" smtClean="0"/>
               <a:t>2024/3/10</a:t>
             </a:fld>
@@ -2674,7 +2674,7 @@
           <p:cNvPr id="6" name="页脚占位符 5">
             <a:extLst>
               <a:ext uri="{FF2B5EF4-FFF2-40B4-BE49-F238E27FC236}">
-                <a16:creationId xmlns:a16="http://schemas.microsoft.com/office/drawing/2014/main" id="{A5EFF496-4129-B492-D12B-BD2B204F4129}"/>
+                <a16:creationId xmlns:a16="http://schemas.microsoft.com/office/drawing/2014/main" id="{262C608F-4C4C-853D-8566-BA9F3D7B6583}"/>
               </a:ext>
             </a:extLst>
           </p:cNvPr>
@@ -2699,7 +2699,7 @@
           <p:cNvPr id="7" name="灯片编号占位符 6">
             <a:extLst>
               <a:ext uri="{FF2B5EF4-FFF2-40B4-BE49-F238E27FC236}">
-                <a16:creationId xmlns:a16="http://schemas.microsoft.com/office/drawing/2014/main" id="{DE2B3203-C88F-3D8A-89DE-4D0E4879CDB0}"/>
+                <a16:creationId xmlns:a16="http://schemas.microsoft.com/office/drawing/2014/main" id="{4BD045FD-0049-A504-E1FB-B368D40CB3C4}"/>
               </a:ext>
             </a:extLst>
           </p:cNvPr>
@@ -2715,7 +2715,7 @@
           <a:bodyPr/>
           <a:lstStyle/>
           <a:p>
-            <a:fld id="{ACF8D114-7A5D-4525-93F7-482A9AB5253F}" type="slidenum">
+            <a:fld id="{315F5CEB-D5B0-4F30-AD27-56029F436B80}" type="slidenum">
               <a:rPr lang="zh-CN" altLang="en-US" smtClean="0"/>
               <a:t>‹#›</a:t>
             </a:fld>
@@ -2726,7 +2726,7 @@
     </p:spTree>
     <p:extLst>
       <p:ext uri="{BB962C8B-B14F-4D97-AF65-F5344CB8AC3E}">
-        <p14:creationId xmlns:p14="http://schemas.microsoft.com/office/powerpoint/2010/main" val="3139624362"/>
+        <p14:creationId xmlns:p14="http://schemas.microsoft.com/office/powerpoint/2010/main" val="189693134"/>
       </p:ext>
     </p:extLst>
   </p:cSld>
@@ -2763,7 +2763,7 @@
           <p:cNvPr id="2" name="标题占位符 1">
             <a:extLst>
               <a:ext uri="{FF2B5EF4-FFF2-40B4-BE49-F238E27FC236}">
-                <a16:creationId xmlns:a16="http://schemas.microsoft.com/office/drawing/2014/main" id="{5F32B192-18C3-1054-B097-D6464C9426C0}"/>
+                <a16:creationId xmlns:a16="http://schemas.microsoft.com/office/drawing/2014/main" id="{B3851168-2861-A97C-D10E-CC9AF6ACD69C}"/>
               </a:ext>
             </a:extLst>
           </p:cNvPr>
@@ -2801,7 +2801,7 @@
           <p:cNvPr id="3" name="文本占位符 2">
             <a:extLst>
               <a:ext uri="{FF2B5EF4-FFF2-40B4-BE49-F238E27FC236}">
-                <a16:creationId xmlns:a16="http://schemas.microsoft.com/office/drawing/2014/main" id="{898577E5-FBDE-C756-35F8-A3CDBA195F02}"/>
+                <a16:creationId xmlns:a16="http://schemas.microsoft.com/office/drawing/2014/main" id="{6463DE35-1ACD-7A76-2AB0-CB25C7235AE1}"/>
               </a:ext>
             </a:extLst>
           </p:cNvPr>
@@ -2868,7 +2868,7 @@
           <p:cNvPr id="4" name="日期占位符 3">
             <a:extLst>
               <a:ext uri="{FF2B5EF4-FFF2-40B4-BE49-F238E27FC236}">
-                <a16:creationId xmlns:a16="http://schemas.microsoft.com/office/drawing/2014/main" id="{2A460343-C64C-2CB9-BEC8-DDAB5C77E7F3}"/>
+                <a16:creationId xmlns:a16="http://schemas.microsoft.com/office/drawing/2014/main" id="{2541A964-741A-8303-D52C-18085A741715}"/>
               </a:ext>
             </a:extLst>
           </p:cNvPr>
@@ -2902,7 +2902,7 @@
             </a:lvl1pPr>
           </a:lstStyle>
           <a:p>
-            <a:fld id="{12B44D18-DD3E-41EE-89EE-FF3DC24ED54E}" type="datetimeFigureOut">
+            <a:fld id="{A7D2BA85-E264-4DCC-983E-F0953272611F}" type="datetimeFigureOut">
               <a:rPr lang="zh-CN" altLang="en-US" smtClean="0"/>
               <a:t>2024/3/10</a:t>
             </a:fld>
@@ -2915,7 +2915,7 @@
           <p:cNvPr id="5" name="页脚占位符 4">
             <a:extLst>
               <a:ext uri="{FF2B5EF4-FFF2-40B4-BE49-F238E27FC236}">
-                <a16:creationId xmlns:a16="http://schemas.microsoft.com/office/drawing/2014/main" id="{188F87EE-913A-A298-DBA3-F34A6E392060}"/>
+                <a16:creationId xmlns:a16="http://schemas.microsoft.com/office/drawing/2014/main" id="{81818C6A-7B05-260B-0EF6-FDA068F4AA7D}"/>
               </a:ext>
             </a:extLst>
           </p:cNvPr>
@@ -2958,7 +2958,7 @@
           <p:cNvPr id="6" name="灯片编号占位符 5">
             <a:extLst>
               <a:ext uri="{FF2B5EF4-FFF2-40B4-BE49-F238E27FC236}">
-                <a16:creationId xmlns:a16="http://schemas.microsoft.com/office/drawing/2014/main" id="{EE683024-CF51-8710-75A2-F0DC246BF4B9}"/>
+                <a16:creationId xmlns:a16="http://schemas.microsoft.com/office/drawing/2014/main" id="{421F7F9E-19E0-60C1-BAB8-F7F53784C4D8}"/>
               </a:ext>
             </a:extLst>
           </p:cNvPr>
@@ -2992,7 +2992,7 @@
             </a:lvl1pPr>
           </a:lstStyle>
           <a:p>
-            <a:fld id="{ACF8D114-7A5D-4525-93F7-482A9AB5253F}" type="slidenum">
+            <a:fld id="{315F5CEB-D5B0-4F30-AD27-56029F436B80}" type="slidenum">
               <a:rPr lang="zh-CN" altLang="en-US" smtClean="0"/>
               <a:t>‹#›</a:t>
             </a:fld>
@@ -3003,7 +3003,7 @@
     </p:spTree>
     <p:extLst>
       <p:ext uri="{BB962C8B-B14F-4D97-AF65-F5344CB8AC3E}">
-        <p14:creationId xmlns:p14="http://schemas.microsoft.com/office/powerpoint/2010/main" val="2128665808"/>
+        <p14:creationId xmlns:p14="http://schemas.microsoft.com/office/powerpoint/2010/main" val="2645610481"/>
       </p:ext>
     </p:extLst>
   </p:cSld>
@@ -3323,7 +3323,7 @@
       </p:grpSpPr>
       <p:pic>
         <p:nvPicPr>
-          <p:cNvPr id="679938" name="Picture 2" descr="663"/>
+          <p:cNvPr id="680962" name="Picture 2" descr="664"/>
           <p:cNvPicPr>
             <a:picLocks noChangeAspect="1" noChangeArrowheads="1"/>
           </p:cNvPicPr>
@@ -3345,7 +3345,7 @@
         <p:spPr bwMode="auto">
           <a:xfrm>
             <a:off x="1524000" y="0"/>
-            <a:ext cx="9144000" cy="6858000"/>
+            <a:ext cx="9144000" cy="6859588"/>
           </a:xfrm>
           <a:prstGeom prst="rect">
             <a:avLst/>
